--- a/TerminaleEnsSci/Transporterl'Energie/Activité2/Activité2-MinimiserEffetJoule.pptx
+++ b/TerminaleEnsSci/Transporterl'Energie/Activité2/Activité2-MinimiserEffetJoule.pptx
@@ -262,7 +262,7 @@
           <a:p>
             <a:fld id="{B9E61E0D-4677-4B37-A2CE-DE157A716F28}" type="datetimeFigureOut">
               <a:rPr lang="fr-FR" smtClean="0"/>
-              <a:t>02/03/2021</a:t>
+              <a:t>03/03/2021</a:t>
             </a:fld>
             <a:endParaRPr lang="fr-FR"/>
           </a:p>
@@ -462,7 +462,7 @@
           <a:p>
             <a:fld id="{B9E61E0D-4677-4B37-A2CE-DE157A716F28}" type="datetimeFigureOut">
               <a:rPr lang="fr-FR" smtClean="0"/>
-              <a:t>02/03/2021</a:t>
+              <a:t>03/03/2021</a:t>
             </a:fld>
             <a:endParaRPr lang="fr-FR"/>
           </a:p>
@@ -672,7 +672,7 @@
           <a:p>
             <a:fld id="{B9E61E0D-4677-4B37-A2CE-DE157A716F28}" type="datetimeFigureOut">
               <a:rPr lang="fr-FR" smtClean="0"/>
-              <a:t>02/03/2021</a:t>
+              <a:t>03/03/2021</a:t>
             </a:fld>
             <a:endParaRPr lang="fr-FR"/>
           </a:p>
@@ -872,7 +872,7 @@
           <a:p>
             <a:fld id="{B9E61E0D-4677-4B37-A2CE-DE157A716F28}" type="datetimeFigureOut">
               <a:rPr lang="fr-FR" smtClean="0"/>
-              <a:t>02/03/2021</a:t>
+              <a:t>03/03/2021</a:t>
             </a:fld>
             <a:endParaRPr lang="fr-FR"/>
           </a:p>
@@ -1148,7 +1148,7 @@
           <a:p>
             <a:fld id="{B9E61E0D-4677-4B37-A2CE-DE157A716F28}" type="datetimeFigureOut">
               <a:rPr lang="fr-FR" smtClean="0"/>
-              <a:t>02/03/2021</a:t>
+              <a:t>03/03/2021</a:t>
             </a:fld>
             <a:endParaRPr lang="fr-FR"/>
           </a:p>
@@ -1416,7 +1416,7 @@
           <a:p>
             <a:fld id="{B9E61E0D-4677-4B37-A2CE-DE157A716F28}" type="datetimeFigureOut">
               <a:rPr lang="fr-FR" smtClean="0"/>
-              <a:t>02/03/2021</a:t>
+              <a:t>03/03/2021</a:t>
             </a:fld>
             <a:endParaRPr lang="fr-FR"/>
           </a:p>
@@ -1831,7 +1831,7 @@
           <a:p>
             <a:fld id="{B9E61E0D-4677-4B37-A2CE-DE157A716F28}" type="datetimeFigureOut">
               <a:rPr lang="fr-FR" smtClean="0"/>
-              <a:t>02/03/2021</a:t>
+              <a:t>03/03/2021</a:t>
             </a:fld>
             <a:endParaRPr lang="fr-FR"/>
           </a:p>
@@ -1973,7 +1973,7 @@
           <a:p>
             <a:fld id="{B9E61E0D-4677-4B37-A2CE-DE157A716F28}" type="datetimeFigureOut">
               <a:rPr lang="fr-FR" smtClean="0"/>
-              <a:t>02/03/2021</a:t>
+              <a:t>03/03/2021</a:t>
             </a:fld>
             <a:endParaRPr lang="fr-FR"/>
           </a:p>
@@ -2086,7 +2086,7 @@
           <a:p>
             <a:fld id="{B9E61E0D-4677-4B37-A2CE-DE157A716F28}" type="datetimeFigureOut">
               <a:rPr lang="fr-FR" smtClean="0"/>
-              <a:t>02/03/2021</a:t>
+              <a:t>03/03/2021</a:t>
             </a:fld>
             <a:endParaRPr lang="fr-FR"/>
           </a:p>
@@ -2399,7 +2399,7 @@
           <a:p>
             <a:fld id="{B9E61E0D-4677-4B37-A2CE-DE157A716F28}" type="datetimeFigureOut">
               <a:rPr lang="fr-FR" smtClean="0"/>
-              <a:t>02/03/2021</a:t>
+              <a:t>03/03/2021</a:t>
             </a:fld>
             <a:endParaRPr lang="fr-FR"/>
           </a:p>
@@ -2688,7 +2688,7 @@
           <a:p>
             <a:fld id="{B9E61E0D-4677-4B37-A2CE-DE157A716F28}" type="datetimeFigureOut">
               <a:rPr lang="fr-FR" smtClean="0"/>
-              <a:t>02/03/2021</a:t>
+              <a:t>03/03/2021</a:t>
             </a:fld>
             <a:endParaRPr lang="fr-FR"/>
           </a:p>
@@ -2931,7 +2931,7 @@
           <a:p>
             <a:fld id="{B9E61E0D-4677-4B37-A2CE-DE157A716F28}" type="datetimeFigureOut">
               <a:rPr lang="fr-FR" smtClean="0"/>
-              <a:t>02/03/2021</a:t>
+              <a:t>03/03/2021</a:t>
             </a:fld>
             <a:endParaRPr lang="fr-FR"/>
           </a:p>
@@ -3472,8 +3472,8 @@
           </a:p>
         </p:txBody>
       </p:sp>
-      <mc:AlternateContent xmlns:mc="http://schemas.openxmlformats.org/markup-compatibility/2006">
-        <mc:Choice xmlns:a14="http://schemas.microsoft.com/office/drawing/2010/main" Requires="a14">
+      <mc:AlternateContent xmlns:mc="http://schemas.openxmlformats.org/markup-compatibility/2006" xmlns:a14="http://schemas.microsoft.com/office/drawing/2010/main">
+        <mc:Choice Requires="a14">
           <p:sp>
             <p:nvSpPr>
               <p:cNvPr id="7" name="Rectangle 6">
@@ -3601,7 +3601,7 @@
             </p:txBody>
           </p:sp>
         </mc:Choice>
-        <mc:Fallback>
+        <mc:Fallback xmlns="">
           <p:sp>
             <p:nvSpPr>
               <p:cNvPr id="7" name="Rectangle 6">
@@ -3649,8 +3649,8 @@
           </p:sp>
         </mc:Fallback>
       </mc:AlternateContent>
-      <mc:AlternateContent xmlns:mc="http://schemas.openxmlformats.org/markup-compatibility/2006">
-        <mc:Choice xmlns:a14="http://schemas.microsoft.com/office/drawing/2010/main" Requires="a14">
+      <mc:AlternateContent xmlns:mc="http://schemas.openxmlformats.org/markup-compatibility/2006" xmlns:a14="http://schemas.microsoft.com/office/drawing/2010/main">
+        <mc:Choice Requires="a14">
           <p:sp>
             <p:nvSpPr>
               <p:cNvPr id="9" name="Rectangle 8">
@@ -3778,7 +3778,7 @@
             </p:txBody>
           </p:sp>
         </mc:Choice>
-        <mc:Fallback>
+        <mc:Fallback xmlns="">
           <p:sp>
             <p:nvSpPr>
               <p:cNvPr id="9" name="Rectangle 8">
@@ -3826,8 +3826,8 @@
           </p:sp>
         </mc:Fallback>
       </mc:AlternateContent>
-      <mc:AlternateContent xmlns:mc="http://schemas.openxmlformats.org/markup-compatibility/2006">
-        <mc:Choice xmlns:a14="http://schemas.microsoft.com/office/drawing/2010/main" Requires="a14">
+      <mc:AlternateContent xmlns:mc="http://schemas.openxmlformats.org/markup-compatibility/2006" xmlns:a14="http://schemas.microsoft.com/office/drawing/2010/main">
+        <mc:Choice Requires="a14">
           <p:sp>
             <p:nvSpPr>
               <p:cNvPr id="10" name="Rectangle 9">
@@ -3982,7 +3982,7 @@
             </p:txBody>
           </p:sp>
         </mc:Choice>
-        <mc:Fallback>
+        <mc:Fallback xmlns="">
           <p:sp>
             <p:nvSpPr>
               <p:cNvPr id="10" name="Rectangle 9">
@@ -4198,8 +4198,8 @@
           </a:p>
         </p:txBody>
       </p:sp>
-      <mc:AlternateContent xmlns:mc="http://schemas.openxmlformats.org/markup-compatibility/2006">
-        <mc:Choice xmlns:a14="http://schemas.microsoft.com/office/drawing/2010/main" Requires="a14">
+      <mc:AlternateContent xmlns:mc="http://schemas.openxmlformats.org/markup-compatibility/2006" xmlns:a14="http://schemas.microsoft.com/office/drawing/2010/main">
+        <mc:Choice Requires="a14">
           <p:sp>
             <p:nvSpPr>
               <p:cNvPr id="11" name="Rectangle 10">
@@ -4336,7 +4336,7 @@
             </p:txBody>
           </p:sp>
         </mc:Choice>
-        <mc:Fallback>
+        <mc:Fallback xmlns="">
           <p:sp>
             <p:nvSpPr>
               <p:cNvPr id="11" name="Rectangle 10">
@@ -4440,8 +4440,8 @@
           </a:p>
         </p:txBody>
       </p:sp>
-      <mc:AlternateContent xmlns:mc="http://schemas.openxmlformats.org/markup-compatibility/2006">
-        <mc:Choice xmlns:a14="http://schemas.microsoft.com/office/drawing/2010/main" Requires="a14">
+      <mc:AlternateContent xmlns:mc="http://schemas.openxmlformats.org/markup-compatibility/2006" xmlns:a14="http://schemas.microsoft.com/office/drawing/2010/main">
+        <mc:Choice Requires="a14">
           <p:sp>
             <p:nvSpPr>
               <p:cNvPr id="6" name="TextBox 5">
@@ -4542,7 +4542,7 @@
             </p:txBody>
           </p:sp>
         </mc:Choice>
-        <mc:Fallback>
+        <mc:Fallback xmlns="">
           <p:sp>
             <p:nvSpPr>
               <p:cNvPr id="6" name="TextBox 5">
@@ -4587,8 +4587,8 @@
           </p:sp>
         </mc:Fallback>
       </mc:AlternateContent>
-      <mc:AlternateContent xmlns:mc="http://schemas.openxmlformats.org/markup-compatibility/2006">
-        <mc:Choice xmlns:a14="http://schemas.microsoft.com/office/drawing/2010/main" Requires="a14">
+      <mc:AlternateContent xmlns:mc="http://schemas.openxmlformats.org/markup-compatibility/2006" xmlns:a14="http://schemas.microsoft.com/office/drawing/2010/main">
+        <mc:Choice Requires="a14">
           <p:sp>
             <p:nvSpPr>
               <p:cNvPr id="16" name="Rectangle 15">
@@ -4743,7 +4743,7 @@
             </p:txBody>
           </p:sp>
         </mc:Choice>
-        <mc:Fallback>
+        <mc:Fallback xmlns="">
           <p:sp>
             <p:nvSpPr>
               <p:cNvPr id="16" name="Rectangle 15">
@@ -4791,8 +4791,8 @@
           </p:sp>
         </mc:Fallback>
       </mc:AlternateContent>
-      <mc:AlternateContent xmlns:mc="http://schemas.openxmlformats.org/markup-compatibility/2006">
-        <mc:Choice xmlns:a14="http://schemas.microsoft.com/office/drawing/2010/main" Requires="a14">
+      <mc:AlternateContent xmlns:mc="http://schemas.openxmlformats.org/markup-compatibility/2006" xmlns:a14="http://schemas.microsoft.com/office/drawing/2010/main">
+        <mc:Choice Requires="a14">
           <p:sp>
             <p:nvSpPr>
               <p:cNvPr id="17" name="Rectangle 16">
@@ -4929,7 +4929,7 @@
             </p:txBody>
           </p:sp>
         </mc:Choice>
-        <mc:Fallback>
+        <mc:Fallback xmlns="">
           <p:sp>
             <p:nvSpPr>
               <p:cNvPr id="17" name="Rectangle 16">
@@ -4977,8 +4977,8 @@
           </p:sp>
         </mc:Fallback>
       </mc:AlternateContent>
-      <mc:AlternateContent xmlns:mc="http://schemas.openxmlformats.org/markup-compatibility/2006">
-        <mc:Choice xmlns:a14="http://schemas.microsoft.com/office/drawing/2010/main" Requires="a14">
+      <mc:AlternateContent xmlns:mc="http://schemas.openxmlformats.org/markup-compatibility/2006" xmlns:a14="http://schemas.microsoft.com/office/drawing/2010/main">
+        <mc:Choice Requires="a14">
           <p:sp>
             <p:nvSpPr>
               <p:cNvPr id="18" name="Rectangle 17">
@@ -5113,7 +5113,7 @@
             </p:txBody>
           </p:sp>
         </mc:Choice>
-        <mc:Fallback>
+        <mc:Fallback xmlns="">
           <p:sp>
             <p:nvSpPr>
               <p:cNvPr id="18" name="Rectangle 17">
@@ -5161,8 +5161,8 @@
           </p:sp>
         </mc:Fallback>
       </mc:AlternateContent>
-      <mc:AlternateContent xmlns:mc="http://schemas.openxmlformats.org/markup-compatibility/2006">
-        <mc:Choice xmlns:a14="http://schemas.microsoft.com/office/drawing/2010/main" Requires="a14">
+      <mc:AlternateContent xmlns:mc="http://schemas.openxmlformats.org/markup-compatibility/2006" xmlns:a14="http://schemas.microsoft.com/office/drawing/2010/main">
+        <mc:Choice Requires="a14">
           <p:sp>
             <p:nvSpPr>
               <p:cNvPr id="19" name="Rectangle 18">
@@ -5297,7 +5297,7 @@
             </p:txBody>
           </p:sp>
         </mc:Choice>
-        <mc:Fallback>
+        <mc:Fallback xmlns="">
           <p:sp>
             <p:nvSpPr>
               <p:cNvPr id="19" name="Rectangle 18">
@@ -5522,8 +5522,8 @@
           </a:p>
         </p:txBody>
       </p:sp>
-      <mc:AlternateContent xmlns:mc="http://schemas.openxmlformats.org/markup-compatibility/2006">
-        <mc:Choice xmlns:a14="http://schemas.microsoft.com/office/drawing/2010/main" Requires="a14">
+      <mc:AlternateContent xmlns:mc="http://schemas.openxmlformats.org/markup-compatibility/2006" xmlns:a14="http://schemas.microsoft.com/office/drawing/2010/main">
+        <mc:Choice Requires="a14">
           <p:sp>
             <p:nvSpPr>
               <p:cNvPr id="7" name="TextBox 6">
@@ -5711,7 +5711,7 @@
             </p:txBody>
           </p:sp>
         </mc:Choice>
-        <mc:Fallback>
+        <mc:Fallback xmlns="">
           <p:sp>
             <p:nvSpPr>
               <p:cNvPr id="7" name="TextBox 6">
@@ -5756,8 +5756,8 @@
           </p:sp>
         </mc:Fallback>
       </mc:AlternateContent>
-      <mc:AlternateContent xmlns:mc="http://schemas.openxmlformats.org/markup-compatibility/2006">
-        <mc:Choice xmlns:a14="http://schemas.microsoft.com/office/drawing/2010/main" Requires="a14">
+      <mc:AlternateContent xmlns:mc="http://schemas.openxmlformats.org/markup-compatibility/2006" xmlns:a14="http://schemas.microsoft.com/office/drawing/2010/main">
+        <mc:Choice Requires="a14">
           <p:sp>
             <p:nvSpPr>
               <p:cNvPr id="8" name="TextBox 7">
@@ -6003,7 +6003,7 @@
             </p:txBody>
           </p:sp>
         </mc:Choice>
-        <mc:Fallback>
+        <mc:Fallback xmlns="">
           <p:sp>
             <p:nvSpPr>
               <p:cNvPr id="8" name="TextBox 7">
@@ -6137,12 +6137,31 @@
                       <m:jc m:val="centerGroup"/>
                     </m:oMathParaPr>
                     <m:oMath xmlns:m="http://schemas.openxmlformats.org/officeDocument/2006/math">
-                      <m:r>
-                        <a:rPr lang="fr-FR" sz="800" b="0" i="1" smtClean="0">
-                          <a:latin typeface="Cambria Math" panose="02040503050406030204" pitchFamily="18" charset="0"/>
-                        </a:rPr>
-                        <m:t>𝑅</m:t>
-                      </m:r>
+                      <m:sSub>
+                        <m:sSubPr>
+                          <m:ctrlPr>
+                            <a:rPr lang="fr-FR" sz="800" b="0" i="1" smtClean="0">
+                              <a:latin typeface="Cambria Math" panose="02040503050406030204" pitchFamily="18" charset="0"/>
+                            </a:rPr>
+                          </m:ctrlPr>
+                        </m:sSubPr>
+                        <m:e>
+                          <m:r>
+                            <a:rPr lang="fr-FR" sz="800" b="0" i="1" smtClean="0">
+                              <a:latin typeface="Cambria Math" panose="02040503050406030204" pitchFamily="18" charset="0"/>
+                            </a:rPr>
+                            <m:t>𝑅</m:t>
+                          </m:r>
+                        </m:e>
+                        <m:sub>
+                          <m:r>
+                            <a:rPr lang="fr-FR" sz="800" b="0" i="1" smtClean="0">
+                              <a:latin typeface="Cambria Math" panose="02040503050406030204" pitchFamily="18" charset="0"/>
+                            </a:rPr>
+                            <m:t>1</m:t>
+                          </m:r>
+                        </m:sub>
+                      </m:sSub>
                       <m:r>
                         <a:rPr lang="fr-FR" sz="800" b="0" i="1" smtClean="0">
                           <a:latin typeface="Cambria Math" panose="02040503050406030204" pitchFamily="18" charset="0"/>
@@ -6248,12 +6267,31 @@
                       <m:jc m:val="centerGroup"/>
                     </m:oMathParaPr>
                     <m:oMath xmlns:m="http://schemas.openxmlformats.org/officeDocument/2006/math">
-                      <m:r>
-                        <a:rPr lang="fr-FR" sz="800" b="0" i="1" smtClean="0">
-                          <a:latin typeface="Cambria Math" panose="02040503050406030204" pitchFamily="18" charset="0"/>
-                        </a:rPr>
-                        <m:t>𝑅</m:t>
-                      </m:r>
+                      <m:sSub>
+                        <m:sSubPr>
+                          <m:ctrlPr>
+                            <a:rPr lang="fr-FR" sz="800" b="0" i="1" smtClean="0">
+                              <a:latin typeface="Cambria Math" panose="02040503050406030204" pitchFamily="18" charset="0"/>
+                            </a:rPr>
+                          </m:ctrlPr>
+                        </m:sSubPr>
+                        <m:e>
+                          <m:r>
+                            <a:rPr lang="fr-FR" sz="800" b="0" i="1" smtClean="0">
+                              <a:latin typeface="Cambria Math" panose="02040503050406030204" pitchFamily="18" charset="0"/>
+                            </a:rPr>
+                            <m:t>𝑅</m:t>
+                          </m:r>
+                        </m:e>
+                        <m:sub>
+                          <m:r>
+                            <a:rPr lang="fr-FR" sz="800" b="0" i="1" smtClean="0">
+                              <a:latin typeface="Cambria Math" panose="02040503050406030204" pitchFamily="18" charset="0"/>
+                            </a:rPr>
+                            <m:t>2</m:t>
+                          </m:r>
+                        </m:sub>
+                      </m:sSub>
                       <m:r>
                         <a:rPr lang="fr-FR" sz="800" b="0" i="1" smtClean="0">
                           <a:latin typeface="Cambria Math" panose="02040503050406030204" pitchFamily="18" charset="0"/>
@@ -6365,12 +6403,31 @@
                       <m:jc m:val="centerGroup"/>
                     </m:oMathParaPr>
                     <m:oMath xmlns:m="http://schemas.openxmlformats.org/officeDocument/2006/math">
-                      <m:r>
-                        <a:rPr lang="fr-FR" sz="800" b="0" i="1" smtClean="0">
-                          <a:latin typeface="Cambria Math" panose="02040503050406030204" pitchFamily="18" charset="0"/>
-                        </a:rPr>
-                        <m:t>𝑅</m:t>
-                      </m:r>
+                      <m:sSub>
+                        <m:sSubPr>
+                          <m:ctrlPr>
+                            <a:rPr lang="fr-FR" sz="800" b="0" i="1" smtClean="0">
+                              <a:latin typeface="Cambria Math" panose="02040503050406030204" pitchFamily="18" charset="0"/>
+                            </a:rPr>
+                          </m:ctrlPr>
+                        </m:sSubPr>
+                        <m:e>
+                          <m:r>
+                            <a:rPr lang="fr-FR" sz="800" b="0" i="1" smtClean="0">
+                              <a:latin typeface="Cambria Math" panose="02040503050406030204" pitchFamily="18" charset="0"/>
+                            </a:rPr>
+                            <m:t>𝑅</m:t>
+                          </m:r>
+                        </m:e>
+                        <m:sub>
+                          <m:r>
+                            <a:rPr lang="fr-FR" sz="800" b="0" i="1" smtClean="0">
+                              <a:latin typeface="Cambria Math" panose="02040503050406030204" pitchFamily="18" charset="0"/>
+                            </a:rPr>
+                            <m:t>3</m:t>
+                          </m:r>
+                        </m:sub>
+                      </m:sSub>
                       <m:r>
                         <a:rPr lang="fr-FR" sz="800" b="0" i="1" smtClean="0">
                           <a:latin typeface="Cambria Math" panose="02040503050406030204" pitchFamily="18" charset="0"/>
@@ -6536,6 +6593,7 @@
               </a:bodyPr>
               <a:lstStyle/>
               <a:p>
+                <a:pPr/>
                 <a14:m>
                   <m:oMathPara xmlns:m="http://schemas.openxmlformats.org/officeDocument/2006/math">
                     <m:oMathParaPr>
@@ -6577,7 +6635,7 @@
                         <a:rPr lang="fr-FR" sz="800" b="1" i="1" smtClean="0">
                           <a:latin typeface="Cambria Math" panose="02040503050406030204" pitchFamily="18" charset="0"/>
                         </a:rPr>
-                        <m:t>𝟑𝟎𝟎</m:t>
+                        <m:t>𝟒</m:t>
                       </m:r>
                       <m:r>
                         <a:rPr lang="fr-FR" sz="800" b="1" i="1" smtClean="0">
@@ -6638,8 +6696,8 @@
           </p:sp>
         </mc:Fallback>
       </mc:AlternateContent>
-      <mc:AlternateContent xmlns:mc="http://schemas.openxmlformats.org/markup-compatibility/2006">
-        <mc:Choice xmlns:a14="http://schemas.microsoft.com/office/drawing/2010/main" Requires="a14">
+      <mc:AlternateContent xmlns:mc="http://schemas.openxmlformats.org/markup-compatibility/2006" xmlns:a14="http://schemas.microsoft.com/office/drawing/2010/main">
+        <mc:Choice Requires="a14">
           <p:sp>
             <p:nvSpPr>
               <p:cNvPr id="16" name="TextBox 15">
@@ -6729,7 +6787,7 @@
             </p:txBody>
           </p:sp>
         </mc:Choice>
-        <mc:Fallback>
+        <mc:Fallback xmlns="">
           <p:sp>
             <p:nvSpPr>
               <p:cNvPr id="16" name="TextBox 15">
@@ -6774,8 +6832,8 @@
           </p:sp>
         </mc:Fallback>
       </mc:AlternateContent>
-      <mc:AlternateContent xmlns:mc="http://schemas.openxmlformats.org/markup-compatibility/2006">
-        <mc:Choice xmlns:a14="http://schemas.microsoft.com/office/drawing/2010/main" Requires="a14">
+      <mc:AlternateContent xmlns:mc="http://schemas.openxmlformats.org/markup-compatibility/2006" xmlns:a14="http://schemas.microsoft.com/office/drawing/2010/main">
+        <mc:Choice Requires="a14">
           <p:sp>
             <p:nvSpPr>
               <p:cNvPr id="17" name="TextBox 16">
@@ -6804,6 +6862,7 @@
               </a:bodyPr>
               <a:lstStyle/>
               <a:p>
+                <a:pPr/>
                 <a14:m>
                   <m:oMathPara xmlns:m="http://schemas.openxmlformats.org/officeDocument/2006/math">
                     <m:oMathParaPr>
@@ -6867,7 +6926,7 @@
             </p:txBody>
           </p:sp>
         </mc:Choice>
-        <mc:Fallback>
+        <mc:Fallback xmlns="">
           <p:sp>
             <p:nvSpPr>
               <p:cNvPr id="17" name="TextBox 16">
@@ -6912,8 +6971,8 @@
           </p:sp>
         </mc:Fallback>
       </mc:AlternateContent>
-      <mc:AlternateContent xmlns:mc="http://schemas.openxmlformats.org/markup-compatibility/2006">
-        <mc:Choice xmlns:a14="http://schemas.microsoft.com/office/drawing/2010/main" Requires="a14">
+      <mc:AlternateContent xmlns:mc="http://schemas.openxmlformats.org/markup-compatibility/2006" xmlns:a14="http://schemas.microsoft.com/office/drawing/2010/main">
+        <mc:Choice Requires="a14">
           <p:sp>
             <p:nvSpPr>
               <p:cNvPr id="18" name="TextBox 17">
@@ -7118,7 +7177,7 @@
             </p:txBody>
           </p:sp>
         </mc:Choice>
-        <mc:Fallback>
+        <mc:Fallback xmlns="">
           <p:sp>
             <p:nvSpPr>
               <p:cNvPr id="18" name="TextBox 17">
